--- a/05-Collections and Generics.pptx
+++ b/05-Collections and Generics.pptx
@@ -11,7 +11,7 @@
     <p:handoutMasterId r:id="rId21"/>
   </p:handoutMasterIdLst>
   <p:sldIdLst>
-    <p:sldId id="1555" r:id="rId5"/>
+    <p:sldId id="1560" r:id="rId5"/>
     <p:sldId id="1557" r:id="rId6"/>
     <p:sldId id="308" r:id="rId7"/>
     <p:sldId id="309" r:id="rId8"/>
@@ -3123,7 +3123,7 @@
           <a:p>
             <a:fld id="{86D088FE-3E68-47FE-8BA4-634CD34BABBC}" type="datetimeFigureOut">
               <a:rPr lang="en-GB" smtClean="0"/>
-              <a:t>19/10/2022</a:t>
+              <a:t>05/12/2025</a:t>
             </a:fld>
             <a:endParaRPr lang="en-GB"/>
           </a:p>
@@ -3288,7 +3288,7 @@
           <a:p>
             <a:fld id="{1D6B66C6-1E92-0F4E-A300-9D4ED1F0C23F}" type="datetimeFigureOut">
               <a:rPr lang="en-GB" smtClean="0"/>
-              <a:t>19/10/2022</a:t>
+              <a:t>05/12/2025</a:t>
             </a:fld>
             <a:endParaRPr lang="en-GB"/>
           </a:p>
@@ -3600,7 +3600,7 @@
           <a:bodyPr/>
           <a:lstStyle/>
           <a:p>
-            <a:endParaRPr lang="en-IN" dirty="0"/>
+            <a:endParaRPr lang="en-US"/>
           </a:p>
         </p:txBody>
       </p:sp>
@@ -3611,7 +3611,7 @@
             <a:spLocks noGrp="1"/>
           </p:cNvSpPr>
           <p:nvPr>
-            <p:ph type="sldNum" sz="quarter" idx="10"/>
+            <p:ph type="sldNum" sz="quarter" idx="5"/>
           </p:nvPr>
         </p:nvSpPr>
         <p:spPr/>
@@ -3619,7 +3619,7 @@
           <a:bodyPr/>
           <a:lstStyle/>
           <a:p>
-            <a:fld id="{548901C6-1DA1-FB44-ABEE-06A0FEB7738E}" type="slidenum">
+            <a:fld id="{35BE1F5F-BEC2-48D5-A890-C07C79853E26}" type="slidenum">
               <a:rPr lang="en-GB" smtClean="0"/>
               <a:t>1</a:t>
             </a:fld>
@@ -3630,7 +3630,7 @@
     </p:spTree>
     <p:extLst>
       <p:ext uri="{BB962C8B-B14F-4D97-AF65-F5344CB8AC3E}">
-        <p14:creationId xmlns:p14="http://schemas.microsoft.com/office/powerpoint/2010/main" val="3559058482"/>
+        <p14:creationId xmlns:p14="http://schemas.microsoft.com/office/powerpoint/2010/main" val="2546931957"/>
       </p:ext>
     </p:extLst>
   </p:cSld>
@@ -21981,6 +21981,245 @@
 </p:sldLayout>
 </file>
 
+<file path=ppt/slideLayouts/slideLayout37.xml><?xml version="1.0" encoding="utf-8"?>
+<p:sldLayout xmlns:a="http://schemas.openxmlformats.org/drawingml/2006/main" xmlns:r="http://schemas.openxmlformats.org/officeDocument/2006/relationships" xmlns:p="http://schemas.openxmlformats.org/presentationml/2006/main" type="title">
+  <p:cSld name="Purple_divider">
+    <p:bg>
+      <p:bgPr>
+        <a:blipFill dpi="0" rotWithShape="1">
+          <a:blip r:embed="rId2">
+            <a:lum/>
+          </a:blip>
+          <a:srcRect/>
+          <a:stretch>
+            <a:fillRect/>
+          </a:stretch>
+        </a:blipFill>
+        <a:effectLst/>
+      </p:bgPr>
+    </p:bg>
+    <p:spTree>
+      <p:nvGrpSpPr>
+        <p:cNvPr id="1" name=""/>
+        <p:cNvGrpSpPr/>
+        <p:nvPr/>
+      </p:nvGrpSpPr>
+      <p:grpSpPr>
+        <a:xfrm>
+          <a:off x="0" y="0"/>
+          <a:ext cx="0" cy="0"/>
+          <a:chOff x="0" y="0"/>
+          <a:chExt cx="0" cy="0"/>
+        </a:xfrm>
+      </p:grpSpPr>
+      <p:pic>
+        <p:nvPicPr>
+          <p:cNvPr id="5" name="Picture 4">
+            <a:extLst>
+              <a:ext uri="{FF2B5EF4-FFF2-40B4-BE49-F238E27FC236}">
+                <a16:creationId xmlns:a16="http://schemas.microsoft.com/office/drawing/2014/main" id="{AB0B8D50-2C63-2F2E-599F-E921BF1F757F}"/>
+              </a:ext>
+              <a:ext uri="{C183D7F6-B498-43B3-948B-1728B52AA6E4}">
+                <adec:decorative xmlns:adec="http://schemas.microsoft.com/office/drawing/2017/decorative" val="1"/>
+              </a:ext>
+            </a:extLst>
+          </p:cNvPr>
+          <p:cNvPicPr>
+            <a:picLocks noChangeAspect="1"/>
+          </p:cNvPicPr>
+          <p:nvPr userDrawn="1"/>
+        </p:nvPicPr>
+        <p:blipFill>
+          <a:blip r:embed="rId3"/>
+          <a:stretch>
+            <a:fillRect/>
+          </a:stretch>
+        </p:blipFill>
+        <p:spPr>
+          <a:xfrm>
+            <a:off x="0" y="898802"/>
+            <a:ext cx="8062294" cy="1684800"/>
+          </a:xfrm>
+          <a:prstGeom prst="rect">
+            <a:avLst/>
+          </a:prstGeom>
+        </p:spPr>
+      </p:pic>
+      <p:sp>
+        <p:nvSpPr>
+          <p:cNvPr id="2" name="Title 1">
+            <a:extLst>
+              <a:ext uri="{FF2B5EF4-FFF2-40B4-BE49-F238E27FC236}">
+                <a16:creationId xmlns:a16="http://schemas.microsoft.com/office/drawing/2014/main" id="{909D855A-1A49-ADBE-89C8-65ECAFD2AAB3}"/>
+              </a:ext>
+            </a:extLst>
+          </p:cNvPr>
+          <p:cNvSpPr>
+            <a:spLocks noGrp="1"/>
+          </p:cNvSpPr>
+          <p:nvPr>
+            <p:ph type="ctrTitle"/>
+          </p:nvPr>
+        </p:nvSpPr>
+        <p:spPr>
+          <a:xfrm>
+            <a:off x="473406" y="1118152"/>
+            <a:ext cx="6777996" cy="1247916"/>
+          </a:xfrm>
+          <a:prstGeom prst="rect">
+            <a:avLst/>
+          </a:prstGeom>
+          <a:ln>
+            <a:noFill/>
+          </a:ln>
+        </p:spPr>
+        <p:txBody>
+          <a:bodyPr lIns="0" rIns="0" anchor="ctr"/>
+          <a:lstStyle>
+            <a:lvl1pPr algn="l">
+              <a:lnSpc>
+                <a:spcPct val="100000"/>
+              </a:lnSpc>
+              <a:defRPr sz="3600">
+                <a:solidFill>
+                  <a:schemeClr val="tx1"/>
+                </a:solidFill>
+              </a:defRPr>
+            </a:lvl1pPr>
+          </a:lstStyle>
+          <a:p>
+            <a:endParaRPr lang="en-GB"/>
+          </a:p>
+        </p:txBody>
+      </p:sp>
+      <p:sp>
+        <p:nvSpPr>
+          <p:cNvPr id="3" name="Subtitle 2">
+            <a:extLst>
+              <a:ext uri="{FF2B5EF4-FFF2-40B4-BE49-F238E27FC236}">
+                <a16:creationId xmlns:a16="http://schemas.microsoft.com/office/drawing/2014/main" id="{994AF8D4-DACD-9AF9-364C-02C474BC62A5}"/>
+              </a:ext>
+            </a:extLst>
+          </p:cNvPr>
+          <p:cNvSpPr>
+            <a:spLocks noGrp="1"/>
+          </p:cNvSpPr>
+          <p:nvPr>
+            <p:ph type="subTitle" idx="1"/>
+          </p:nvPr>
+        </p:nvSpPr>
+        <p:spPr>
+          <a:xfrm>
+            <a:off x="473406" y="2902689"/>
+            <a:ext cx="6150678" cy="863600"/>
+          </a:xfrm>
+          <a:prstGeom prst="rect">
+            <a:avLst/>
+          </a:prstGeom>
+          <a:ln>
+            <a:noFill/>
+          </a:ln>
+        </p:spPr>
+        <p:txBody>
+          <a:bodyPr lIns="0" rIns="0" anchor="t"/>
+          <a:lstStyle>
+            <a:lvl1pPr marL="0" indent="0" algn="l">
+              <a:buNone/>
+              <a:defRPr sz="1800">
+                <a:solidFill>
+                  <a:schemeClr val="tx1"/>
+                </a:solidFill>
+              </a:defRPr>
+            </a:lvl1pPr>
+            <a:lvl2pPr marL="457200" indent="0" algn="ctr">
+              <a:buNone/>
+              <a:defRPr sz="2000"/>
+            </a:lvl2pPr>
+            <a:lvl3pPr marL="914400" indent="0" algn="ctr">
+              <a:buNone/>
+              <a:defRPr sz="1800"/>
+            </a:lvl3pPr>
+            <a:lvl4pPr marL="1371600" indent="0" algn="ctr">
+              <a:buNone/>
+              <a:defRPr sz="1600"/>
+            </a:lvl4pPr>
+            <a:lvl5pPr marL="1828800" indent="0" algn="ctr">
+              <a:buNone/>
+              <a:defRPr sz="1600"/>
+            </a:lvl5pPr>
+            <a:lvl6pPr marL="2286000" indent="0" algn="ctr">
+              <a:buNone/>
+              <a:defRPr sz="1600"/>
+            </a:lvl6pPr>
+            <a:lvl7pPr marL="2743200" indent="0" algn="ctr">
+              <a:buNone/>
+              <a:defRPr sz="1600"/>
+            </a:lvl7pPr>
+            <a:lvl8pPr marL="3200400" indent="0" algn="ctr">
+              <a:buNone/>
+              <a:defRPr sz="1600"/>
+            </a:lvl8pPr>
+            <a:lvl9pPr marL="3657600" indent="0" algn="ctr">
+              <a:buNone/>
+              <a:defRPr sz="1600"/>
+            </a:lvl9pPr>
+          </a:lstStyle>
+          <a:p>
+            <a:endParaRPr lang="en-GB"/>
+          </a:p>
+        </p:txBody>
+      </p:sp>
+      <p:pic>
+        <p:nvPicPr>
+          <p:cNvPr id="9" name="Picture 8">
+            <a:extLst>
+              <a:ext uri="{FF2B5EF4-FFF2-40B4-BE49-F238E27FC236}">
+                <a16:creationId xmlns:a16="http://schemas.microsoft.com/office/drawing/2014/main" id="{ADC96ABF-C649-123E-FBF1-598689C3D553}"/>
+              </a:ext>
+              <a:ext uri="{C183D7F6-B498-43B3-948B-1728B52AA6E4}">
+                <adec:decorative xmlns:adec="http://schemas.microsoft.com/office/drawing/2017/decorative" val="1"/>
+              </a:ext>
+            </a:extLst>
+          </p:cNvPr>
+          <p:cNvPicPr>
+            <a:picLocks noChangeAspect="1"/>
+          </p:cNvPicPr>
+          <p:nvPr userDrawn="1"/>
+        </p:nvPicPr>
+        <p:blipFill>
+          <a:blip r:embed="rId4"/>
+          <a:stretch>
+            <a:fillRect/>
+          </a:stretch>
+        </p:blipFill>
+        <p:spPr>
+          <a:xfrm>
+            <a:off x="473406" y="5650088"/>
+            <a:ext cx="1972082" cy="650979"/>
+          </a:xfrm>
+          <a:prstGeom prst="rect">
+            <a:avLst/>
+          </a:prstGeom>
+        </p:spPr>
+      </p:pic>
+    </p:spTree>
+    <p:extLst>
+      <p:ext uri="{BB962C8B-B14F-4D97-AF65-F5344CB8AC3E}">
+        <p14:creationId xmlns:p14="http://schemas.microsoft.com/office/powerpoint/2010/main" val="1354363118"/>
+      </p:ext>
+    </p:extLst>
+  </p:cSld>
+  <p:clrMapOvr>
+    <a:masterClrMapping/>
+  </p:clrMapOvr>
+  <p:extLst>
+    <p:ext uri="{DCECCB84-F9BA-43D5-87BE-67443E8EF086}">
+      <p15:sldGuideLst xmlns:p15="http://schemas.microsoft.com/office/powerpoint/2012/main"/>
+    </p:ext>
+  </p:extLst>
+</p:sldLayout>
+</file>
+
 <file path=ppt/slideLayouts/slideLayout4.xml><?xml version="1.0" encoding="utf-8"?>
 <p:sldLayout xmlns:a="http://schemas.openxmlformats.org/drawingml/2006/main" xmlns:r="http://schemas.openxmlformats.org/officeDocument/2006/relationships" xmlns:p="http://schemas.openxmlformats.org/presentationml/2006/main" showMasterSp="0" preserve="1" userDrawn="1">
   <p:cSld name="Action Tips">
@@ -25565,6 +25804,7 @@
     <p:sldLayoutId id="2147483797" r:id="rId34"/>
     <p:sldLayoutId id="2147483814" r:id="rId35"/>
     <p:sldLayoutId id="2147483905" r:id="rId36"/>
+    <p:sldLayoutId id="2147483906" r:id="rId37"/>
   </p:sldLayoutIdLst>
   <p:hf hdr="0" dt="0"/>
   <p:txStyles>
@@ -25623,7 +25863,7 @@
         <a:buSzPct val="125000"/>
         <a:buFontTx/>
         <a:buBlip>
-          <a:blip r:embed="rId38"/>
+          <a:blip r:embed="rId39"/>
         </a:buBlip>
         <a:tabLst/>
         <a:defRPr sz="2000" b="0" kern="1200">
@@ -25648,7 +25888,7 @@
         <a:buSzPct val="120000"/>
         <a:buFontTx/>
         <a:buBlip>
-          <a:blip r:embed="rId38"/>
+          <a:blip r:embed="rId39"/>
         </a:buBlip>
         <a:tabLst/>
         <a:defRPr sz="2000" b="0" i="0" kern="1200">
@@ -25673,7 +25913,7 @@
         <a:buSzPct val="120000"/>
         <a:buFontTx/>
         <a:buBlip>
-          <a:blip r:embed="rId38"/>
+          <a:blip r:embed="rId39"/>
         </a:buBlip>
         <a:tabLst/>
         <a:defRPr sz="2000" b="0" kern="1200">
@@ -25698,7 +25938,7 @@
         <a:buSzPct val="125000"/>
         <a:buFontTx/>
         <a:buBlip>
-          <a:blip r:embed="rId38"/>
+          <a:blip r:embed="rId39"/>
         </a:buBlip>
         <a:tabLst/>
         <a:defRPr sz="2000" b="0" kern="1200">
@@ -26031,14 +26271,6 @@
 <file path=ppt/slides/slide1.xml><?xml version="1.0" encoding="utf-8"?>
 <p:sld xmlns:a="http://schemas.openxmlformats.org/drawingml/2006/main" xmlns:r="http://schemas.openxmlformats.org/officeDocument/2006/relationships" xmlns:p="http://schemas.openxmlformats.org/presentationml/2006/main">
   <p:cSld>
-    <p:bg>
-      <p:bgPr>
-        <a:solidFill>
-          <a:srgbClr val="09EDB8"/>
-        </a:solidFill>
-        <a:effectLst/>
-      </p:bgPr>
-    </p:bg>
     <p:spTree>
       <p:nvGrpSpPr>
         <p:cNvPr id="1" name=""/>
@@ -26055,7 +26287,13 @@
       </p:grpSpPr>
       <p:sp>
         <p:nvSpPr>
-          <p:cNvPr id="4" name="Title 3"/>
+          <p:cNvPr id="4" name="Title 3">
+            <a:extLst>
+              <a:ext uri="{FF2B5EF4-FFF2-40B4-BE49-F238E27FC236}">
+                <a16:creationId xmlns:a16="http://schemas.microsoft.com/office/drawing/2014/main" id="{6B10A2E5-A3AA-7BE3-7C87-983A58C15C46}"/>
+              </a:ext>
+            </a:extLst>
+          </p:cNvPr>
           <p:cNvSpPr>
             <a:spLocks noGrp="1"/>
           </p:cNvSpPr>
@@ -26070,23 +26308,40 @@
           <a:p>
             <a:r>
               <a:rPr lang="en-US" dirty="0"/>
-              <a:t>Collections </a:t>
-            </a:r>
-            <a:br>
-              <a:rPr lang="en-US" dirty="0"/>
-            </a:br>
-            <a:r>
-              <a:rPr lang="en-US" dirty="0"/>
-              <a:t>&amp; Generics</a:t>
-            </a:r>
-            <a:endParaRPr lang="en-IN" dirty="0"/>
+              <a:t>Collections &amp; Generics</a:t>
+            </a:r>
+          </a:p>
+        </p:txBody>
+      </p:sp>
+      <p:sp>
+        <p:nvSpPr>
+          <p:cNvPr id="3" name="Subtitle 2">
+            <a:extLst>
+              <a:ext uri="{FF2B5EF4-FFF2-40B4-BE49-F238E27FC236}">
+                <a16:creationId xmlns:a16="http://schemas.microsoft.com/office/drawing/2014/main" id="{52534D79-CFC0-C4F4-AD12-F13DBCAB1A97}"/>
+              </a:ext>
+            </a:extLst>
+          </p:cNvPr>
+          <p:cNvSpPr>
+            <a:spLocks noGrp="1"/>
+          </p:cNvSpPr>
+          <p:nvPr>
+            <p:ph type="subTitle" idx="1"/>
+          </p:nvPr>
+        </p:nvSpPr>
+        <p:spPr/>
+        <p:txBody>
+          <a:bodyPr/>
+          <a:lstStyle/>
+          <a:p>
+            <a:endParaRPr lang="en-GB"/>
           </a:p>
         </p:txBody>
       </p:sp>
     </p:spTree>
     <p:extLst>
       <p:ext uri="{BB962C8B-B14F-4D97-AF65-F5344CB8AC3E}">
-        <p14:creationId xmlns:p14="http://schemas.microsoft.com/office/powerpoint/2010/main" val="1088406378"/>
+        <p14:creationId xmlns:p14="http://schemas.microsoft.com/office/powerpoint/2010/main" val="1003932267"/>
       </p:ext>
     </p:extLst>
   </p:cSld>
@@ -26662,10 +26917,15 @@
             </a:schemeClr>
           </a:solidFill>
           <a:ln w="19050">
-            <a:solidFill>
-              <a:srgbClr val="004050"/>
-            </a:solidFill>
+            <a:noFill/>
           </a:ln>
+          <a:effectLst>
+            <a:outerShdw blurRad="50800" dist="38100" algn="l" rotWithShape="0">
+              <a:prstClr val="black">
+                <a:alpha val="40000"/>
+              </a:prstClr>
+            </a:outerShdw>
+          </a:effectLst>
         </p:spPr>
         <p:txBody>
           <a:bodyPr wrap="square">
@@ -27194,10 +27454,15 @@
             </a:schemeClr>
           </a:solidFill>
           <a:ln w="19050">
-            <a:solidFill>
-              <a:srgbClr val="004050"/>
-            </a:solidFill>
+            <a:noFill/>
           </a:ln>
+          <a:effectLst>
+            <a:outerShdw blurRad="50800" dist="38100" algn="l" rotWithShape="0">
+              <a:prstClr val="black">
+                <a:alpha val="40000"/>
+              </a:prstClr>
+            </a:outerShdw>
+          </a:effectLst>
         </p:spPr>
         <p:txBody>
           <a:bodyPr wrap="square">
@@ -27404,12 +27669,10 @@
             <a:schemeClr val="bg1"/>
           </a:solidFill>
           <a:ln w="19050">
-            <a:solidFill>
-              <a:srgbClr val="004050"/>
-            </a:solidFill>
+            <a:noFill/>
           </a:ln>
           <a:effectLst>
-            <a:outerShdw blurRad="50800" dist="38100" dir="2700000" algn="tl" rotWithShape="0">
+            <a:outerShdw blurRad="50800" dist="38100" algn="l" rotWithShape="0">
               <a:prstClr val="black">
                 <a:alpha val="40000"/>
               </a:prstClr>
@@ -27486,6 +27749,16 @@
           <a:prstGeom prst="rect">
             <a:avLst/>
           </a:prstGeom>
+          <a:ln>
+            <a:noFill/>
+          </a:ln>
+          <a:effectLst>
+            <a:outerShdw blurRad="50800" dist="38100" algn="l" rotWithShape="0">
+              <a:prstClr val="black">
+                <a:alpha val="40000"/>
+              </a:prstClr>
+            </a:outerShdw>
+          </a:effectLst>
         </p:spPr>
         <p:style>
           <a:lnRef idx="0">
@@ -27535,6 +27808,16 @@
           <a:prstGeom prst="rect">
             <a:avLst/>
           </a:prstGeom>
+          <a:ln>
+            <a:noFill/>
+          </a:ln>
+          <a:effectLst>
+            <a:outerShdw blurRad="50800" dist="38100" algn="l" rotWithShape="0">
+              <a:prstClr val="black">
+                <a:alpha val="40000"/>
+              </a:prstClr>
+            </a:outerShdw>
+          </a:effectLst>
         </p:spPr>
         <p:txBody>
           <a:bodyPr wrap="none">
@@ -27576,8 +27859,11 @@
           <a:prstGeom prst="rect">
             <a:avLst/>
           </a:prstGeom>
+          <a:ln>
+            <a:noFill/>
+          </a:ln>
           <a:effectLst>
-            <a:outerShdw blurRad="50800" dist="38100" dir="2700000" algn="tl" rotWithShape="0">
+            <a:outerShdw blurRad="50800" dist="38100" algn="l" rotWithShape="0">
               <a:prstClr val="black">
                 <a:alpha val="40000"/>
               </a:prstClr>
@@ -27686,12 +27972,10 @@
             </a:schemeClr>
           </a:solidFill>
           <a:ln w="19050">
-            <a:solidFill>
-              <a:srgbClr val="004050"/>
-            </a:solidFill>
+            <a:noFill/>
           </a:ln>
           <a:effectLst>
-            <a:outerShdw blurRad="50800" dist="38100" dir="2700000" algn="tl" rotWithShape="0">
+            <a:outerShdw blurRad="50800" dist="38100" algn="l" rotWithShape="0">
               <a:prstClr val="black">
                 <a:alpha val="40000"/>
               </a:prstClr>
@@ -28256,8 +28540,11 @@
           <a:prstGeom prst="rect">
             <a:avLst/>
           </a:prstGeom>
+          <a:ln>
+            <a:noFill/>
+          </a:ln>
           <a:effectLst>
-            <a:outerShdw blurRad="50800" dist="38100" dir="2700000" algn="tl" rotWithShape="0">
+            <a:outerShdw blurRad="50800" dist="38100" algn="l" rotWithShape="0">
               <a:prstClr val="black">
                 <a:alpha val="40000"/>
               </a:prstClr>
@@ -28317,8 +28604,11 @@
           <a:prstGeom prst="rect">
             <a:avLst/>
           </a:prstGeom>
+          <a:ln>
+            <a:noFill/>
+          </a:ln>
           <a:effectLst>
-            <a:outerShdw blurRad="50800" dist="38100" dir="2700000" algn="tl" rotWithShape="0">
+            <a:outerShdw blurRad="50800" dist="38100" algn="l" rotWithShape="0">
               <a:prstClr val="black">
                 <a:alpha val="40000"/>
               </a:prstClr>
@@ -28724,6 +29014,13 @@
             </a:schemeClr>
           </a:fontRef>
         </p:style>
+        <p:txBody>
+          <a:bodyPr/>
+          <a:lstStyle/>
+          <a:p>
+            <a:endParaRPr lang="en-GB"/>
+          </a:p>
+        </p:txBody>
       </p:sp>
       <p:sp>
         <p:nvSpPr>
@@ -28972,6 +29269,13 @@
             </a:schemeClr>
           </a:fontRef>
         </p:style>
+        <p:txBody>
+          <a:bodyPr/>
+          <a:lstStyle/>
+          <a:p>
+            <a:endParaRPr lang="en-GB"/>
+          </a:p>
+        </p:txBody>
       </p:sp>
       <p:sp>
         <p:nvSpPr>
@@ -29031,6 +29335,13 @@
             <a:schemeClr val="lt1"/>
           </a:fontRef>
         </p:style>
+        <p:txBody>
+          <a:bodyPr/>
+          <a:lstStyle/>
+          <a:p>
+            <a:endParaRPr lang="en-GB"/>
+          </a:p>
+        </p:txBody>
       </p:sp>
       <p:sp>
         <p:nvSpPr>
@@ -29483,6 +29794,13 @@
             <a:schemeClr val="lt1"/>
           </a:fontRef>
         </p:style>
+        <p:txBody>
+          <a:bodyPr/>
+          <a:lstStyle/>
+          <a:p>
+            <a:endParaRPr lang="en-GB"/>
+          </a:p>
+        </p:txBody>
       </p:sp>
       <p:sp>
         <p:nvSpPr>
@@ -29542,6 +29860,13 @@
             <a:schemeClr val="lt1"/>
           </a:fontRef>
         </p:style>
+        <p:txBody>
+          <a:bodyPr/>
+          <a:lstStyle/>
+          <a:p>
+            <a:endParaRPr lang="en-GB"/>
+          </a:p>
+        </p:txBody>
       </p:sp>
     </p:spTree>
     <p:extLst>
@@ -29873,10 +30198,15 @@
             </a:schemeClr>
           </a:solidFill>
           <a:ln w="19050">
-            <a:solidFill>
-              <a:srgbClr val="004050"/>
-            </a:solidFill>
+            <a:noFill/>
           </a:ln>
+          <a:effectLst>
+            <a:outerShdw blurRad="50800" dist="38100" algn="l" rotWithShape="0">
+              <a:prstClr val="black">
+                <a:alpha val="40000"/>
+              </a:prstClr>
+            </a:outerShdw>
+          </a:effectLst>
         </p:spPr>
         <p:style>
           <a:lnRef idx="2">
@@ -30092,10 +30422,15 @@
             </a:schemeClr>
           </a:solidFill>
           <a:ln w="19050">
-            <a:solidFill>
-              <a:srgbClr val="004050"/>
-            </a:solidFill>
+            <a:noFill/>
           </a:ln>
+          <a:effectLst>
+            <a:outerShdw blurRad="50800" dist="38100" algn="l" rotWithShape="0">
+              <a:prstClr val="black">
+                <a:alpha val="40000"/>
+              </a:prstClr>
+            </a:outerShdw>
+          </a:effectLst>
         </p:spPr>
         <p:style>
           <a:lnRef idx="2">
@@ -30420,6 +30755,16 @@
           <a:prstGeom prst="rect">
             <a:avLst/>
           </a:prstGeom>
+          <a:ln>
+            <a:noFill/>
+          </a:ln>
+          <a:effectLst>
+            <a:outerShdw blurRad="50800" dist="38100" algn="l" rotWithShape="0">
+              <a:prstClr val="black">
+                <a:alpha val="40000"/>
+              </a:prstClr>
+            </a:outerShdw>
+          </a:effectLst>
         </p:spPr>
         <p:txBody>
           <a:bodyPr wrap="none">
@@ -30455,6 +30800,16 @@
           <a:prstGeom prst="rect">
             <a:avLst/>
           </a:prstGeom>
+          <a:ln>
+            <a:noFill/>
+          </a:ln>
+          <a:effectLst>
+            <a:outerShdw blurRad="50800" dist="38100" algn="l" rotWithShape="0">
+              <a:prstClr val="black">
+                <a:alpha val="40000"/>
+              </a:prstClr>
+            </a:outerShdw>
+          </a:effectLst>
         </p:spPr>
         <p:txBody>
           <a:bodyPr wrap="none">
@@ -30490,7 +30845,7 @@
         </p:nvSpPr>
         <p:spPr>
           <a:xfrm>
-            <a:off x="7561215" y="2133600"/>
+            <a:off x="5749399" y="2245867"/>
             <a:ext cx="3421746" cy="446116"/>
           </a:xfrm>
           <a:prstGeom prst="wedgeRoundRectCallout">
@@ -30655,7 +31010,16 @@
               <a:lumOff val="80000"/>
             </a:schemeClr>
           </a:solidFill>
-          <a:ln w="19050"/>
+          <a:ln w="19050">
+            <a:noFill/>
+          </a:ln>
+          <a:effectLst>
+            <a:outerShdw blurRad="50800" dist="38100" algn="l" rotWithShape="0">
+              <a:prstClr val="black">
+                <a:alpha val="40000"/>
+              </a:prstClr>
+            </a:outerShdw>
+          </a:effectLst>
         </p:spPr>
         <p:style>
           <a:lnRef idx="2">
@@ -31018,7 +31382,16 @@
               <a:lumOff val="80000"/>
             </a:schemeClr>
           </a:solidFill>
-          <a:ln w="19050"/>
+          <a:ln w="19050">
+            <a:noFill/>
+          </a:ln>
+          <a:effectLst>
+            <a:outerShdw blurRad="50800" dist="38100" algn="l" rotWithShape="0">
+              <a:prstClr val="black">
+                <a:alpha val="40000"/>
+              </a:prstClr>
+            </a:outerShdw>
+          </a:effectLst>
         </p:spPr>
         <p:style>
           <a:lnRef idx="2">
@@ -31265,8 +31638,11 @@
           <a:prstGeom prst="rect">
             <a:avLst/>
           </a:prstGeom>
+          <a:ln>
+            <a:noFill/>
+          </a:ln>
           <a:effectLst>
-            <a:outerShdw blurRad="50800" dist="38100" dir="2700000" algn="tl" rotWithShape="0">
+            <a:outerShdw blurRad="50800" dist="38100" algn="l" rotWithShape="0">
               <a:prstClr val="black">
                 <a:alpha val="40000"/>
               </a:prstClr>
@@ -31414,16 +31790,16 @@
             </a:schemeClr>
           </a:solidFill>
           <a:ln w="19050">
-            <a:solidFill>
-              <a:schemeClr val="accent1"/>
-            </a:solidFill>
+            <a:noFill/>
             <a:miter lim="800000"/>
             <a:headEnd/>
             <a:tailEnd/>
           </a:ln>
           <a:effectLst>
-            <a:outerShdw dist="71842" dir="2700000" algn="ctr" rotWithShape="0">
-              <a:schemeClr val="bg2"/>
+            <a:outerShdw blurRad="50800" dist="38100" algn="l" rotWithShape="0">
+              <a:prstClr val="black">
+                <a:alpha val="40000"/>
+              </a:prstClr>
             </a:outerShdw>
           </a:effectLst>
         </p:spPr>
@@ -31621,16 +31997,16 @@
             </a:schemeClr>
           </a:solidFill>
           <a:ln w="19050">
-            <a:solidFill>
-              <a:schemeClr val="accent1"/>
-            </a:solidFill>
+            <a:noFill/>
             <a:miter lim="800000"/>
             <a:headEnd/>
             <a:tailEnd/>
           </a:ln>
           <a:effectLst>
-            <a:outerShdw dist="71842" dir="2700000" algn="ctr" rotWithShape="0">
-              <a:schemeClr val="bg2"/>
+            <a:outerShdw blurRad="50800" dist="38100" algn="l" rotWithShape="0">
+              <a:prstClr val="black">
+                <a:alpha val="40000"/>
+              </a:prstClr>
             </a:outerShdw>
           </a:effectLst>
         </p:spPr>
@@ -31781,16 +32157,16 @@
             </a:schemeClr>
           </a:solidFill>
           <a:ln w="19050">
-            <a:solidFill>
-              <a:schemeClr val="accent1"/>
-            </a:solidFill>
+            <a:noFill/>
             <a:miter lim="800000"/>
             <a:headEnd/>
             <a:tailEnd/>
           </a:ln>
           <a:effectLst>
-            <a:outerShdw dist="71842" dir="2700000" algn="ctr" rotWithShape="0">
-              <a:schemeClr val="bg2"/>
+            <a:outerShdw blurRad="50800" dist="38100" algn="l" rotWithShape="0">
+              <a:prstClr val="black">
+                <a:alpha val="40000"/>
+              </a:prstClr>
             </a:outerShdw>
           </a:effectLst>
         </p:spPr>
@@ -32001,16 +32377,16 @@
             </a:schemeClr>
           </a:solidFill>
           <a:ln w="19050">
-            <a:solidFill>
-              <a:schemeClr val="accent1"/>
-            </a:solidFill>
+            <a:noFill/>
             <a:miter lim="800000"/>
             <a:headEnd/>
             <a:tailEnd/>
           </a:ln>
           <a:effectLst>
-            <a:outerShdw dist="71842" dir="2700000" algn="ctr" rotWithShape="0">
-              <a:schemeClr val="bg2"/>
+            <a:outerShdw blurRad="50800" dist="38100" algn="l" rotWithShape="0">
+              <a:prstClr val="black">
+                <a:alpha val="40000"/>
+              </a:prstClr>
             </a:outerShdw>
           </a:effectLst>
         </p:spPr>
@@ -32070,11 +32446,15 @@
             </a:schemeClr>
           </a:solidFill>
           <a:ln w="19050">
-            <a:solidFill>
-              <a:schemeClr val="accent1"/>
-            </a:solidFill>
+            <a:noFill/>
           </a:ln>
-          <a:effectLst/>
+          <a:effectLst>
+            <a:outerShdw blurRad="50800" dist="38100" algn="l" rotWithShape="0">
+              <a:prstClr val="black">
+                <a:alpha val="40000"/>
+              </a:prstClr>
+            </a:outerShdw>
+          </a:effectLst>
         </p:spPr>
         <p:style>
           <a:lnRef idx="0">
@@ -32131,11 +32511,15 @@
             </a:schemeClr>
           </a:solidFill>
           <a:ln w="19050">
-            <a:solidFill>
-              <a:schemeClr val="accent1"/>
-            </a:solidFill>
+            <a:noFill/>
           </a:ln>
-          <a:effectLst/>
+          <a:effectLst>
+            <a:outerShdw blurRad="50800" dist="38100" algn="l" rotWithShape="0">
+              <a:prstClr val="black">
+                <a:alpha val="40000"/>
+              </a:prstClr>
+            </a:outerShdw>
+          </a:effectLst>
         </p:spPr>
         <p:style>
           <a:lnRef idx="0">
@@ -32197,11 +32581,15 @@
             </a:schemeClr>
           </a:solidFill>
           <a:ln w="19050">
-            <a:solidFill>
-              <a:schemeClr val="accent1"/>
-            </a:solidFill>
+            <a:noFill/>
           </a:ln>
-          <a:effectLst/>
+          <a:effectLst>
+            <a:outerShdw blurRad="50800" dist="38100" algn="l" rotWithShape="0">
+              <a:prstClr val="black">
+                <a:alpha val="40000"/>
+              </a:prstClr>
+            </a:outerShdw>
+          </a:effectLst>
         </p:spPr>
         <p:style>
           <a:lnRef idx="0">
@@ -32263,11 +32651,15 @@
             </a:schemeClr>
           </a:solidFill>
           <a:ln w="19050">
-            <a:solidFill>
-              <a:schemeClr val="accent1"/>
-            </a:solidFill>
+            <a:noFill/>
           </a:ln>
-          <a:effectLst/>
+          <a:effectLst>
+            <a:outerShdw blurRad="50800" dist="38100" algn="l" rotWithShape="0">
+              <a:prstClr val="black">
+                <a:alpha val="40000"/>
+              </a:prstClr>
+            </a:outerShdw>
+          </a:effectLst>
         </p:spPr>
         <p:style>
           <a:lnRef idx="0">
@@ -32393,6 +32785,16 @@
               <a:lumOff val="80000"/>
             </a:schemeClr>
           </a:solidFill>
+          <a:ln>
+            <a:noFill/>
+          </a:ln>
+          <a:effectLst>
+            <a:outerShdw blurRad="50800" dist="38100" algn="l" rotWithShape="0">
+              <a:prstClr val="black">
+                <a:alpha val="40000"/>
+              </a:prstClr>
+            </a:outerShdw>
+          </a:effectLst>
         </p:spPr>
         <p:style>
           <a:lnRef idx="2">
@@ -32536,6 +32938,16 @@
               <a:lumMod val="95000"/>
             </a:schemeClr>
           </a:solidFill>
+          <a:ln>
+            <a:noFill/>
+          </a:ln>
+          <a:effectLst>
+            <a:outerShdw blurRad="50800" dist="38100" algn="l" rotWithShape="0">
+              <a:prstClr val="black">
+                <a:alpha val="40000"/>
+              </a:prstClr>
+            </a:outerShdw>
+          </a:effectLst>
         </p:spPr>
         <p:style>
           <a:lnRef idx="2">
@@ -32799,6 +33211,16 @@
               <a:lumOff val="80000"/>
             </a:schemeClr>
           </a:solidFill>
+          <a:ln>
+            <a:noFill/>
+          </a:ln>
+          <a:effectLst>
+            <a:outerShdw blurRad="50800" dist="38100" algn="l" rotWithShape="0">
+              <a:prstClr val="black">
+                <a:alpha val="40000"/>
+              </a:prstClr>
+            </a:outerShdw>
+          </a:effectLst>
         </p:spPr>
         <p:style>
           <a:lnRef idx="2">
@@ -32906,6 +33328,16 @@
           <a:prstGeom prst="rect">
             <a:avLst/>
           </a:prstGeom>
+          <a:ln>
+            <a:noFill/>
+          </a:ln>
+          <a:effectLst>
+            <a:outerShdw blurRad="50800" dist="38100" algn="l" rotWithShape="0">
+              <a:prstClr val="black">
+                <a:alpha val="40000"/>
+              </a:prstClr>
+            </a:outerShdw>
+          </a:effectLst>
         </p:spPr>
         <p:style>
           <a:lnRef idx="2">
@@ -33050,6 +33482,16 @@
           <a:prstGeom prst="rect">
             <a:avLst/>
           </a:prstGeom>
+          <a:ln>
+            <a:noFill/>
+          </a:ln>
+          <a:effectLst>
+            <a:outerShdw blurRad="50800" dist="38100" algn="l" rotWithShape="0">
+              <a:prstClr val="black">
+                <a:alpha val="40000"/>
+              </a:prstClr>
+            </a:outerShdw>
+          </a:effectLst>
         </p:spPr>
         <p:style>
           <a:lnRef idx="2">
@@ -33194,7 +33636,16 @@
           <a:prstGeom prst="leftArrow">
             <a:avLst/>
           </a:prstGeom>
-          <a:ln/>
+          <a:ln>
+            <a:noFill/>
+          </a:ln>
+          <a:effectLst>
+            <a:outerShdw blurRad="50800" dist="38100" algn="l" rotWithShape="0">
+              <a:prstClr val="black">
+                <a:alpha val="40000"/>
+              </a:prstClr>
+            </a:outerShdw>
+          </a:effectLst>
         </p:spPr>
         <p:style>
           <a:lnRef idx="0">
@@ -33243,7 +33694,16 @@
               <a:gd name="adj3" fmla="val 16667"/>
             </a:avLst>
           </a:prstGeom>
-          <a:ln/>
+          <a:ln>
+            <a:noFill/>
+          </a:ln>
+          <a:effectLst>
+            <a:outerShdw blurRad="50800" dist="38100" algn="l" rotWithShape="0">
+              <a:prstClr val="black">
+                <a:alpha val="40000"/>
+              </a:prstClr>
+            </a:outerShdw>
+          </a:effectLst>
         </p:spPr>
         <p:style>
           <a:lnRef idx="0">
@@ -33295,7 +33755,16 @@
               <a:gd name="adj3" fmla="val 16667"/>
             </a:avLst>
           </a:prstGeom>
-          <a:ln/>
+          <a:ln>
+            <a:noFill/>
+          </a:ln>
+          <a:effectLst>
+            <a:outerShdw blurRad="50800" dist="38100" algn="l" rotWithShape="0">
+              <a:prstClr val="black">
+                <a:alpha val="40000"/>
+              </a:prstClr>
+            </a:outerShdw>
+          </a:effectLst>
         </p:spPr>
         <p:style>
           <a:lnRef idx="0">
@@ -33354,7 +33823,16 @@
               <a:gd name="adj3" fmla="val 16667"/>
             </a:avLst>
           </a:prstGeom>
-          <a:ln/>
+          <a:ln>
+            <a:noFill/>
+          </a:ln>
+          <a:effectLst>
+            <a:outerShdw blurRad="50800" dist="38100" algn="l" rotWithShape="0">
+              <a:prstClr val="black">
+                <a:alpha val="40000"/>
+              </a:prstClr>
+            </a:outerShdw>
+          </a:effectLst>
         </p:spPr>
         <p:style>
           <a:lnRef idx="0">
@@ -33406,7 +33884,16 @@
               <a:gd name="adj3" fmla="val 16667"/>
             </a:avLst>
           </a:prstGeom>
-          <a:ln/>
+          <a:ln>
+            <a:noFill/>
+          </a:ln>
+          <a:effectLst>
+            <a:outerShdw blurRad="50800" dist="38100" algn="l" rotWithShape="0">
+              <a:prstClr val="black">
+                <a:alpha val="40000"/>
+              </a:prstClr>
+            </a:outerShdw>
+          </a:effectLst>
         </p:spPr>
         <p:style>
           <a:lnRef idx="0">
@@ -33609,15 +34096,13 @@
             </a:schemeClr>
           </a:solidFill>
           <a:ln w="19050">
-            <a:solidFill>
-              <a:schemeClr val="accent1"/>
-            </a:solidFill>
+            <a:noFill/>
             <a:miter lim="800000"/>
             <a:headEnd/>
             <a:tailEnd/>
           </a:ln>
           <a:effectLst>
-            <a:outerShdw blurRad="50800" dist="38100" dir="2700000" algn="tl" rotWithShape="0">
+            <a:outerShdw blurRad="50800" dist="38100" algn="l" rotWithShape="0">
               <a:prstClr val="black">
                 <a:alpha val="40000"/>
               </a:prstClr>
@@ -34611,10 +35096,15 @@
             </a:schemeClr>
           </a:solidFill>
           <a:ln w="19050">
-            <a:solidFill>
-              <a:srgbClr val="004050"/>
-            </a:solidFill>
+            <a:noFill/>
           </a:ln>
+          <a:effectLst>
+            <a:outerShdw blurRad="50800" dist="38100" algn="l" rotWithShape="0">
+              <a:prstClr val="black">
+                <a:alpha val="40000"/>
+              </a:prstClr>
+            </a:outerShdw>
+          </a:effectLst>
         </p:spPr>
         <p:style>
           <a:lnRef idx="2">
@@ -34940,10 +35430,15 @@
             </a:srgbClr>
           </a:solidFill>
           <a:ln w="19050">
-            <a:solidFill>
-              <a:srgbClr val="004050"/>
-            </a:solidFill>
+            <a:noFill/>
           </a:ln>
+          <a:effectLst>
+            <a:outerShdw blurRad="50800" dist="38100" algn="l" rotWithShape="0">
+              <a:prstClr val="black">
+                <a:alpha val="40000"/>
+              </a:prstClr>
+            </a:outerShdw>
+          </a:effectLst>
         </p:spPr>
         <p:style>
           <a:lnRef idx="1">
@@ -35020,10 +35515,15 @@
             </a:schemeClr>
           </a:solidFill>
           <a:ln w="19050">
-            <a:solidFill>
-              <a:srgbClr val="004050"/>
-            </a:solidFill>
+            <a:noFill/>
           </a:ln>
+          <a:effectLst>
+            <a:outerShdw blurRad="50800" dist="38100" algn="l" rotWithShape="0">
+              <a:prstClr val="black">
+                <a:alpha val="40000"/>
+              </a:prstClr>
+            </a:outerShdw>
+          </a:effectLst>
         </p:spPr>
         <p:style>
           <a:lnRef idx="2">
@@ -35376,10 +35876,15 @@
             </a:srgbClr>
           </a:solidFill>
           <a:ln w="19050">
-            <a:solidFill>
-              <a:srgbClr val="004050"/>
-            </a:solidFill>
+            <a:noFill/>
           </a:ln>
+          <a:effectLst>
+            <a:outerShdw blurRad="50800" dist="38100" algn="l" rotWithShape="0">
+              <a:prstClr val="black">
+                <a:alpha val="40000"/>
+              </a:prstClr>
+            </a:outerShdw>
+          </a:effectLst>
         </p:spPr>
         <p:style>
           <a:lnRef idx="1">
@@ -36401,32 +36906,6 @@
 </file>
 
 <file path=customXml/item1.xml><?xml version="1.0" encoding="utf-8"?>
-<p:properties xmlns:p="http://schemas.microsoft.com/office/2006/metadata/properties" xmlns:xsi="http://www.w3.org/2001/XMLSchema-instance" xmlns:pc="http://schemas.microsoft.com/office/infopath/2007/PartnerControls">
-  <documentManagement>
-    <SequenceNumber xmlns="6794D9DE-4FDF-4DC0-8B2C-5438320C69D5" xsi:nil="true"/>
-    <IsBuildFile xmlns="6794D9DE-4FDF-4DC0-8B2C-5438320C69D5" xsi:nil="true"/>
-    <BookTypeField0 xmlns="6794D9DE-4FDF-4DC0-8B2C-5438320C69D5">
-      <Terms xmlns="http://schemas.microsoft.com/office/infopath/2007/PartnerControls">
-        <TermInfo xmlns="http://schemas.microsoft.com/office/infopath/2007/PartnerControls">
-          <TermName xmlns="http://schemas.microsoft.com/office/infopath/2007/PartnerControls">IK</TermName>
-          <TermId xmlns="http://schemas.microsoft.com/office/infopath/2007/PartnerControls">5abe6401-e87a-4499-80b4-3d21a1a6ebd7</TermId>
-        </TermInfo>
-      </Terms>
-    </BookTypeField0>
-  </documentManagement>
-</p:properties>
-</file>
-
-<file path=customXml/item2.xml><?xml version="1.0" encoding="utf-8"?>
-<?mso-contentType ?>
-<FormTemplates xmlns="http://schemas.microsoft.com/sharepoint/v3/contenttype/forms">
-  <Display>DocumentLibraryForm</Display>
-  <Edit>DocumentLibraryForm</Edit>
-  <New>DocumentLibraryForm</New>
-</FormTemplates>
-</file>
-
-<file path=customXml/item3.xml><?xml version="1.0" encoding="utf-8"?>
 <ct:contentTypeSchema xmlns:ct="http://schemas.microsoft.com/office/2006/metadata/contentType" xmlns:ma="http://schemas.microsoft.com/office/2006/metadata/properties/metaAttributes" ct:_="" ma:_="" ma:contentTypeName="Courseware" ma:contentTypeID="0x010100F0967B7CEE8D417F966757887D9466FB00B3EF5B1D149FDF49B1880C030D548140" ma:contentTypeVersion="0" ma:contentTypeDescription="Base content type which represents courseware documents" ma:contentTypeScope="" ma:versionID="ab0d7ca79e0ea5a537b031f986da336c">
   <xsd:schema xmlns:xsd="http://www.w3.org/2001/XMLSchema" xmlns:xs="http://www.w3.org/2001/XMLSchema" xmlns:p="http://schemas.microsoft.com/office/2006/metadata/properties" xmlns:ns2="6794D9DE-4FDF-4DC0-8B2C-5438320C69D5" targetNamespace="http://schemas.microsoft.com/office/2006/metadata/properties" ma:root="true" ma:fieldsID="7ff8e7c62cc10108c036e94c947d8fb9" ns2:_="">
     <xsd:import namespace="6794D9DE-4FDF-4DC0-8B2C-5438320C69D5"/>
@@ -36566,7 +37045,51 @@
 </ct:contentTypeSchema>
 </file>
 
+<file path=customXml/item2.xml><?xml version="1.0" encoding="utf-8"?>
+<p:properties xmlns:p="http://schemas.microsoft.com/office/2006/metadata/properties" xmlns:xsi="http://www.w3.org/2001/XMLSchema-instance" xmlns:pc="http://schemas.microsoft.com/office/infopath/2007/PartnerControls">
+  <documentManagement>
+    <SequenceNumber xmlns="6794D9DE-4FDF-4DC0-8B2C-5438320C69D5" xsi:nil="true"/>
+    <IsBuildFile xmlns="6794D9DE-4FDF-4DC0-8B2C-5438320C69D5" xsi:nil="true"/>
+    <BookTypeField0 xmlns="6794D9DE-4FDF-4DC0-8B2C-5438320C69D5">
+      <Terms xmlns="http://schemas.microsoft.com/office/infopath/2007/PartnerControls">
+        <TermInfo xmlns="http://schemas.microsoft.com/office/infopath/2007/PartnerControls">
+          <TermName xmlns="http://schemas.microsoft.com/office/infopath/2007/PartnerControls">IK</TermName>
+          <TermId xmlns="http://schemas.microsoft.com/office/infopath/2007/PartnerControls">5abe6401-e87a-4499-80b4-3d21a1a6ebd7</TermId>
+        </TermInfo>
+      </Terms>
+    </BookTypeField0>
+  </documentManagement>
+</p:properties>
+</file>
+
+<file path=customXml/item3.xml><?xml version="1.0" encoding="utf-8"?>
+<?mso-contentType ?>
+<FormTemplates xmlns="http://schemas.microsoft.com/sharepoint/v3/contenttype/forms">
+  <Display>DocumentLibraryForm</Display>
+  <Edit>DocumentLibraryForm</Edit>
+  <New>DocumentLibraryForm</New>
+</FormTemplates>
+</file>
+
 <file path=customXml/itemProps1.xml><?xml version="1.0" encoding="utf-8"?>
+<ds:datastoreItem xmlns:ds="http://schemas.openxmlformats.org/officeDocument/2006/customXml" ds:itemID="{2442E54C-49B3-4ECE-8754-14C669579CE3}">
+  <ds:schemaRefs>
+    <ds:schemaRef ds:uri="http://schemas.microsoft.com/office/2006/metadata/contentType"/>
+    <ds:schemaRef ds:uri="http://schemas.microsoft.com/office/2006/metadata/properties/metaAttributes"/>
+    <ds:schemaRef ds:uri="http://www.w3.org/2001/XMLSchema"/>
+    <ds:schemaRef ds:uri="http://schemas.microsoft.com/office/2006/metadata/properties"/>
+    <ds:schemaRef ds:uri="6794D9DE-4FDF-4DC0-8B2C-5438320C69D5"/>
+    <ds:schemaRef ds:uri="http://schemas.microsoft.com/office/2006/documentManagement/types"/>
+    <ds:schemaRef ds:uri="http://schemas.microsoft.com/office/infopath/2007/PartnerControls"/>
+    <ds:schemaRef ds:uri="http://schemas.openxmlformats.org/package/2006/metadata/core-properties"/>
+    <ds:schemaRef ds:uri="http://purl.org/dc/elements/1.1/"/>
+    <ds:schemaRef ds:uri="http://purl.org/dc/terms/"/>
+    <ds:schemaRef ds:uri="http://schemas.microsoft.com/internal/obd"/>
+  </ds:schemaRefs>
+</ds:datastoreItem>
+</file>
+
+<file path=customXml/itemProps2.xml><?xml version="1.0" encoding="utf-8"?>
 <ds:datastoreItem xmlns:ds="http://schemas.openxmlformats.org/officeDocument/2006/customXml" ds:itemID="{284C91E7-BCBE-4A78-B356-5B7CBEC3A857}">
   <ds:schemaRefs>
     <ds:schemaRef ds:uri="http://schemas.microsoft.com/office/2006/documentManagement/types"/>
@@ -36582,28 +37105,10 @@
 </ds:datastoreItem>
 </file>
 
-<file path=customXml/itemProps2.xml><?xml version="1.0" encoding="utf-8"?>
+<file path=customXml/itemProps3.xml><?xml version="1.0" encoding="utf-8"?>
 <ds:datastoreItem xmlns:ds="http://schemas.openxmlformats.org/officeDocument/2006/customXml" ds:itemID="{CF004844-36BD-44EF-80B0-D60F4D27F6BD}">
   <ds:schemaRefs>
     <ds:schemaRef ds:uri="http://schemas.microsoft.com/sharepoint/v3/contenttype/forms"/>
   </ds:schemaRefs>
 </ds:datastoreItem>
-</file>
-
-<file path=customXml/itemProps3.xml><?xml version="1.0" encoding="utf-8"?>
-<ds:datastoreItem xmlns:ds="http://schemas.openxmlformats.org/officeDocument/2006/customXml" ds:itemID="{2442E54C-49B3-4ECE-8754-14C669579CE3}">
-  <ds:schemaRefs>
-    <ds:schemaRef ds:uri="http://schemas.microsoft.com/office/2006/metadata/contentType"/>
-    <ds:schemaRef ds:uri="http://schemas.microsoft.com/office/2006/metadata/properties/metaAttributes"/>
-    <ds:schemaRef ds:uri="http://www.w3.org/2001/XMLSchema"/>
-    <ds:schemaRef ds:uri="http://schemas.microsoft.com/office/2006/metadata/properties"/>
-    <ds:schemaRef ds:uri="6794D9DE-4FDF-4DC0-8B2C-5438320C69D5"/>
-    <ds:schemaRef ds:uri="http://schemas.microsoft.com/office/2006/documentManagement/types"/>
-    <ds:schemaRef ds:uri="http://schemas.microsoft.com/office/infopath/2007/PartnerControls"/>
-    <ds:schemaRef ds:uri="http://schemas.openxmlformats.org/package/2006/metadata/core-properties"/>
-    <ds:schemaRef ds:uri="http://purl.org/dc/elements/1.1/"/>
-    <ds:schemaRef ds:uri="http://purl.org/dc/terms/"/>
-    <ds:schemaRef ds:uri="http://schemas.microsoft.com/internal/obd"/>
-  </ds:schemaRefs>
-</ds:datastoreItem>
 </file>
--- a/05-Collections and Generics.pptx
+++ b/05-Collections and Generics.pptx
@@ -3123,7 +3123,7 @@
           <a:p>
             <a:fld id="{86D088FE-3E68-47FE-8BA4-634CD34BABBC}" type="datetimeFigureOut">
               <a:rPr lang="en-GB" smtClean="0"/>
-              <a:t>05/12/2025</a:t>
+              <a:t>10/12/2025</a:t>
             </a:fld>
             <a:endParaRPr lang="en-GB"/>
           </a:p>
@@ -3288,7 +3288,7 @@
           <a:p>
             <a:fld id="{1D6B66C6-1E92-0F4E-A300-9D4ED1F0C23F}" type="datetimeFigureOut">
               <a:rPr lang="en-GB" smtClean="0"/>
-              <a:t>05/12/2025</a:t>
+              <a:t>10/12/2025</a:t>
             </a:fld>
             <a:endParaRPr lang="en-GB"/>
           </a:p>
@@ -32198,13 +32198,31 @@
               <a:t>(</a:t>
             </a:r>
             <a:r>
+              <a:rPr lang="en-GB" dirty="0">
+                <a:solidFill>
+                  <a:srgbClr val="0000C8"/>
+                </a:solidFill>
+                <a:latin typeface="Lucida Console" pitchFamily="49" charset="0"/>
+              </a:rPr>
+              <a:t>int</a:t>
+            </a:r>
+            <a:r>
+              <a:rPr lang="en-GB" dirty="0">
+                <a:solidFill>
+                  <a:srgbClr val="000000"/>
+                </a:solidFill>
+                <a:latin typeface="Lucida Console" pitchFamily="49" charset="0"/>
+              </a:rPr>
+              <a:t> </a:t>
+            </a:r>
+            <a:r>
               <a:rPr lang="en-GB" dirty="0" err="1">
                 <a:solidFill>
-                  <a:srgbClr val="0000C8"/>
+                  <a:srgbClr val="000000"/>
                 </a:solidFill>
                 <a:latin typeface="Lucida Console" pitchFamily="49" charset="0"/>
               </a:rPr>
-              <a:t>int</a:t>
+              <a:t>i</a:t>
             </a:r>
             <a:r>
               <a:rPr lang="en-GB" dirty="0">
@@ -32213,7 +32231,7 @@
                 </a:solidFill>
                 <a:latin typeface="Lucida Console" pitchFamily="49" charset="0"/>
               </a:rPr>
-              <a:t> </a:t>
+              <a:t> = 0; </a:t>
             </a:r>
             <a:r>
               <a:rPr lang="en-GB" dirty="0" err="1">
@@ -32231,7 +32249,7 @@
                 </a:solidFill>
                 <a:latin typeface="Lucida Console" pitchFamily="49" charset="0"/>
               </a:rPr>
-              <a:t> = 0; </a:t>
+              <a:t> &lt; </a:t>
             </a:r>
             <a:r>
               <a:rPr lang="en-GB" dirty="0" err="1">
@@ -32240,7 +32258,7 @@
                 </a:solidFill>
                 <a:latin typeface="Lucida Console" pitchFamily="49" charset="0"/>
               </a:rPr>
-              <a:t>i</a:t>
+              <a:t>friends.Count</a:t>
             </a:r>
             <a:r>
               <a:rPr lang="en-GB" dirty="0">
@@ -32249,25 +32267,7 @@
                 </a:solidFill>
                 <a:latin typeface="Lucida Console" pitchFamily="49" charset="0"/>
               </a:rPr>
-              <a:t> &lt; </a:t>
-            </a:r>
-            <a:r>
-              <a:rPr lang="en-GB" dirty="0" err="1">
-                <a:solidFill>
-                  <a:srgbClr val="000000"/>
-                </a:solidFill>
-                <a:latin typeface="Lucida Console" pitchFamily="49" charset="0"/>
-              </a:rPr>
-              <a:t>friends.size</a:t>
-            </a:r>
-            <a:r>
-              <a:rPr lang="en-GB" dirty="0">
-                <a:solidFill>
-                  <a:srgbClr val="000000"/>
-                </a:solidFill>
-                <a:latin typeface="Lucida Console" pitchFamily="49" charset="0"/>
-              </a:rPr>
-              <a:t>(); </a:t>
+              <a:t>; </a:t>
             </a:r>
             <a:r>
               <a:rPr lang="en-GB" dirty="0" err="1">
@@ -32568,7 +32568,7 @@
         <p:spPr>
           <a:xfrm>
             <a:off x="7132204" y="4210846"/>
-            <a:ext cx="2159566" cy="338554"/>
+            <a:ext cx="1912703" cy="338554"/>
           </a:xfrm>
           <a:prstGeom prst="rect">
             <a:avLst/>
@@ -32618,7 +32618,7 @@
                 </a:solidFill>
                 <a:latin typeface="Lucida Console" pitchFamily="49" charset="0"/>
               </a:rPr>
-              <a:t>Note the size( )</a:t>
+              <a:t>Note the Count</a:t>
             </a:r>
           </a:p>
         </p:txBody>
@@ -36906,6 +36906,32 @@
 </file>
 
 <file path=customXml/item1.xml><?xml version="1.0" encoding="utf-8"?>
+<?mso-contentType ?>
+<FormTemplates xmlns="http://schemas.microsoft.com/sharepoint/v3/contenttype/forms">
+  <Display>DocumentLibraryForm</Display>
+  <Edit>DocumentLibraryForm</Edit>
+  <New>DocumentLibraryForm</New>
+</FormTemplates>
+</file>
+
+<file path=customXml/item2.xml><?xml version="1.0" encoding="utf-8"?>
+<p:properties xmlns:p="http://schemas.microsoft.com/office/2006/metadata/properties" xmlns:xsi="http://www.w3.org/2001/XMLSchema-instance" xmlns:pc="http://schemas.microsoft.com/office/infopath/2007/PartnerControls">
+  <documentManagement>
+    <SequenceNumber xmlns="6794D9DE-4FDF-4DC0-8B2C-5438320C69D5" xsi:nil="true"/>
+    <IsBuildFile xmlns="6794D9DE-4FDF-4DC0-8B2C-5438320C69D5" xsi:nil="true"/>
+    <BookTypeField0 xmlns="6794D9DE-4FDF-4DC0-8B2C-5438320C69D5">
+      <Terms xmlns="http://schemas.microsoft.com/office/infopath/2007/PartnerControls">
+        <TermInfo xmlns="http://schemas.microsoft.com/office/infopath/2007/PartnerControls">
+          <TermName xmlns="http://schemas.microsoft.com/office/infopath/2007/PartnerControls">IK</TermName>
+          <TermId xmlns="http://schemas.microsoft.com/office/infopath/2007/PartnerControls">5abe6401-e87a-4499-80b4-3d21a1a6ebd7</TermId>
+        </TermInfo>
+      </Terms>
+    </BookTypeField0>
+  </documentManagement>
+</p:properties>
+</file>
+
+<file path=customXml/item3.xml><?xml version="1.0" encoding="utf-8"?>
 <ct:contentTypeSchema xmlns:ct="http://schemas.microsoft.com/office/2006/metadata/contentType" xmlns:ma="http://schemas.microsoft.com/office/2006/metadata/properties/metaAttributes" ct:_="" ma:_="" ma:contentTypeName="Courseware" ma:contentTypeID="0x010100F0967B7CEE8D417F966757887D9466FB00B3EF5B1D149FDF49B1880C030D548140" ma:contentTypeVersion="0" ma:contentTypeDescription="Base content type which represents courseware documents" ma:contentTypeScope="" ma:versionID="ab0d7ca79e0ea5a537b031f986da336c">
   <xsd:schema xmlns:xsd="http://www.w3.org/2001/XMLSchema" xmlns:xs="http://www.w3.org/2001/XMLSchema" xmlns:p="http://schemas.microsoft.com/office/2006/metadata/properties" xmlns:ns2="6794D9DE-4FDF-4DC0-8B2C-5438320C69D5" targetNamespace="http://schemas.microsoft.com/office/2006/metadata/properties" ma:root="true" ma:fieldsID="7ff8e7c62cc10108c036e94c947d8fb9" ns2:_="">
     <xsd:import namespace="6794D9DE-4FDF-4DC0-8B2C-5438320C69D5"/>
@@ -37045,46 +37071,10 @@
 </ct:contentTypeSchema>
 </file>
 
-<file path=customXml/item2.xml><?xml version="1.0" encoding="utf-8"?>
-<p:properties xmlns:p="http://schemas.microsoft.com/office/2006/metadata/properties" xmlns:xsi="http://www.w3.org/2001/XMLSchema-instance" xmlns:pc="http://schemas.microsoft.com/office/infopath/2007/PartnerControls">
-  <documentManagement>
-    <SequenceNumber xmlns="6794D9DE-4FDF-4DC0-8B2C-5438320C69D5" xsi:nil="true"/>
-    <IsBuildFile xmlns="6794D9DE-4FDF-4DC0-8B2C-5438320C69D5" xsi:nil="true"/>
-    <BookTypeField0 xmlns="6794D9DE-4FDF-4DC0-8B2C-5438320C69D5">
-      <Terms xmlns="http://schemas.microsoft.com/office/infopath/2007/PartnerControls">
-        <TermInfo xmlns="http://schemas.microsoft.com/office/infopath/2007/PartnerControls">
-          <TermName xmlns="http://schemas.microsoft.com/office/infopath/2007/PartnerControls">IK</TermName>
-          <TermId xmlns="http://schemas.microsoft.com/office/infopath/2007/PartnerControls">5abe6401-e87a-4499-80b4-3d21a1a6ebd7</TermId>
-        </TermInfo>
-      </Terms>
-    </BookTypeField0>
-  </documentManagement>
-</p:properties>
-</file>
-
-<file path=customXml/item3.xml><?xml version="1.0" encoding="utf-8"?>
-<?mso-contentType ?>
-<FormTemplates xmlns="http://schemas.microsoft.com/sharepoint/v3/contenttype/forms">
-  <Display>DocumentLibraryForm</Display>
-  <Edit>DocumentLibraryForm</Edit>
-  <New>DocumentLibraryForm</New>
-</FormTemplates>
-</file>
-
 <file path=customXml/itemProps1.xml><?xml version="1.0" encoding="utf-8"?>
-<ds:datastoreItem xmlns:ds="http://schemas.openxmlformats.org/officeDocument/2006/customXml" ds:itemID="{2442E54C-49B3-4ECE-8754-14C669579CE3}">
+<ds:datastoreItem xmlns:ds="http://schemas.openxmlformats.org/officeDocument/2006/customXml" ds:itemID="{CF004844-36BD-44EF-80B0-D60F4D27F6BD}">
   <ds:schemaRefs>
-    <ds:schemaRef ds:uri="http://schemas.microsoft.com/office/2006/metadata/contentType"/>
-    <ds:schemaRef ds:uri="http://schemas.microsoft.com/office/2006/metadata/properties/metaAttributes"/>
-    <ds:schemaRef ds:uri="http://www.w3.org/2001/XMLSchema"/>
-    <ds:schemaRef ds:uri="http://schemas.microsoft.com/office/2006/metadata/properties"/>
-    <ds:schemaRef ds:uri="6794D9DE-4FDF-4DC0-8B2C-5438320C69D5"/>
-    <ds:schemaRef ds:uri="http://schemas.microsoft.com/office/2006/documentManagement/types"/>
-    <ds:schemaRef ds:uri="http://schemas.microsoft.com/office/infopath/2007/PartnerControls"/>
-    <ds:schemaRef ds:uri="http://schemas.openxmlformats.org/package/2006/metadata/core-properties"/>
-    <ds:schemaRef ds:uri="http://purl.org/dc/elements/1.1/"/>
-    <ds:schemaRef ds:uri="http://purl.org/dc/terms/"/>
-    <ds:schemaRef ds:uri="http://schemas.microsoft.com/internal/obd"/>
+    <ds:schemaRef ds:uri="http://schemas.microsoft.com/sharepoint/v3/contenttype/forms"/>
   </ds:schemaRefs>
 </ds:datastoreItem>
 </file>
@@ -37106,9 +37096,19 @@
 </file>
 
 <file path=customXml/itemProps3.xml><?xml version="1.0" encoding="utf-8"?>
-<ds:datastoreItem xmlns:ds="http://schemas.openxmlformats.org/officeDocument/2006/customXml" ds:itemID="{CF004844-36BD-44EF-80B0-D60F4D27F6BD}">
+<ds:datastoreItem xmlns:ds="http://schemas.openxmlformats.org/officeDocument/2006/customXml" ds:itemID="{2442E54C-49B3-4ECE-8754-14C669579CE3}">
   <ds:schemaRefs>
-    <ds:schemaRef ds:uri="http://schemas.microsoft.com/sharepoint/v3/contenttype/forms"/>
+    <ds:schemaRef ds:uri="http://schemas.microsoft.com/office/2006/metadata/contentType"/>
+    <ds:schemaRef ds:uri="http://schemas.microsoft.com/office/2006/metadata/properties/metaAttributes"/>
+    <ds:schemaRef ds:uri="http://www.w3.org/2001/XMLSchema"/>
+    <ds:schemaRef ds:uri="http://schemas.microsoft.com/office/2006/metadata/properties"/>
+    <ds:schemaRef ds:uri="6794D9DE-4FDF-4DC0-8B2C-5438320C69D5"/>
+    <ds:schemaRef ds:uri="http://schemas.microsoft.com/office/2006/documentManagement/types"/>
+    <ds:schemaRef ds:uri="http://schemas.microsoft.com/office/infopath/2007/PartnerControls"/>
+    <ds:schemaRef ds:uri="http://schemas.openxmlformats.org/package/2006/metadata/core-properties"/>
+    <ds:schemaRef ds:uri="http://purl.org/dc/elements/1.1/"/>
+    <ds:schemaRef ds:uri="http://purl.org/dc/terms/"/>
+    <ds:schemaRef ds:uri="http://schemas.microsoft.com/internal/obd"/>
   </ds:schemaRefs>
 </ds:datastoreItem>
 </file>